--- a/11-Trees-and-Graphs.pptx
+++ b/11-Trees-and-Graphs.pptx
@@ -5,7 +5,7 @@
     <p:sldMasterId id="2147483648" r:id="rId1"/>
   </p:sldMasterIdLst>
   <p:notesMasterIdLst>
-    <p:notesMasterId r:id="rId34"/>
+    <p:notesMasterId r:id="rId33"/>
   </p:notesMasterIdLst>
   <p:sldIdLst>
     <p:sldId id="256" r:id="rId2"/>
@@ -39,7 +39,6 @@
     <p:sldId id="474" r:id="rId30"/>
     <p:sldId id="268" r:id="rId31"/>
     <p:sldId id="453" r:id="rId32"/>
-    <p:sldId id="492" r:id="rId33"/>
   </p:sldIdLst>
   <p:sldSz cx="9144000" cy="6858000" type="screen4x3"/>
   <p:notesSz cx="6858000" cy="9144000"/>
@@ -239,7 +238,7 @@
           <a:p>
             <a:fld id="{1A052DDE-B79B-4585-97B6-DCDE6083B029}" type="datetimeFigureOut">
               <a:rPr lang="bg-BG" smtClean="0"/>
-              <a:t>10.8.2015 г.</a:t>
+              <a:t>11.8.2015 г.</a:t>
             </a:fld>
             <a:endParaRPr lang="bg-BG"/>
           </a:p>
@@ -688,7 +687,7 @@
           <a:p>
             <a:fld id="{3EA744D9-3FBE-48D8-BF2A-85DF203E4D20}" type="datetimeFigureOut">
               <a:rPr lang="bg-BG" smtClean="0"/>
-              <a:t>10.8.2015 г.</a:t>
+              <a:t>11.8.2015 г.</a:t>
             </a:fld>
             <a:endParaRPr lang="bg-BG"/>
           </a:p>
@@ -858,7 +857,7 @@
           <a:p>
             <a:fld id="{3EA744D9-3FBE-48D8-BF2A-85DF203E4D20}" type="datetimeFigureOut">
               <a:rPr lang="bg-BG" smtClean="0"/>
-              <a:t>10.8.2015 г.</a:t>
+              <a:t>11.8.2015 г.</a:t>
             </a:fld>
             <a:endParaRPr lang="bg-BG"/>
           </a:p>
@@ -1038,7 +1037,7 @@
           <a:p>
             <a:fld id="{3EA744D9-3FBE-48D8-BF2A-85DF203E4D20}" type="datetimeFigureOut">
               <a:rPr lang="bg-BG" smtClean="0"/>
-              <a:t>10.8.2015 г.</a:t>
+              <a:t>11.8.2015 г.</a:t>
             </a:fld>
             <a:endParaRPr lang="bg-BG"/>
           </a:p>
@@ -1208,7 +1207,7 @@
           <a:p>
             <a:fld id="{3EA744D9-3FBE-48D8-BF2A-85DF203E4D20}" type="datetimeFigureOut">
               <a:rPr lang="bg-BG" smtClean="0"/>
-              <a:t>10.8.2015 г.</a:t>
+              <a:t>11.8.2015 г.</a:t>
             </a:fld>
             <a:endParaRPr lang="bg-BG"/>
           </a:p>
@@ -1454,7 +1453,7 @@
           <a:p>
             <a:fld id="{3EA744D9-3FBE-48D8-BF2A-85DF203E4D20}" type="datetimeFigureOut">
               <a:rPr lang="bg-BG" smtClean="0"/>
-              <a:t>10.8.2015 г.</a:t>
+              <a:t>11.8.2015 г.</a:t>
             </a:fld>
             <a:endParaRPr lang="bg-BG"/>
           </a:p>
@@ -1742,7 +1741,7 @@
           <a:p>
             <a:fld id="{3EA744D9-3FBE-48D8-BF2A-85DF203E4D20}" type="datetimeFigureOut">
               <a:rPr lang="bg-BG" smtClean="0"/>
-              <a:t>10.8.2015 г.</a:t>
+              <a:t>11.8.2015 г.</a:t>
             </a:fld>
             <a:endParaRPr lang="bg-BG"/>
           </a:p>
@@ -2164,7 +2163,7 @@
           <a:p>
             <a:fld id="{3EA744D9-3FBE-48D8-BF2A-85DF203E4D20}" type="datetimeFigureOut">
               <a:rPr lang="bg-BG" smtClean="0"/>
-              <a:t>10.8.2015 г.</a:t>
+              <a:t>11.8.2015 г.</a:t>
             </a:fld>
             <a:endParaRPr lang="bg-BG"/>
           </a:p>
@@ -2282,7 +2281,7 @@
           <a:p>
             <a:fld id="{3EA744D9-3FBE-48D8-BF2A-85DF203E4D20}" type="datetimeFigureOut">
               <a:rPr lang="bg-BG" smtClean="0"/>
-              <a:t>10.8.2015 г.</a:t>
+              <a:t>11.8.2015 г.</a:t>
             </a:fld>
             <a:endParaRPr lang="bg-BG"/>
           </a:p>
@@ -2377,7 +2376,7 @@
           <a:p>
             <a:fld id="{3EA744D9-3FBE-48D8-BF2A-85DF203E4D20}" type="datetimeFigureOut">
               <a:rPr lang="bg-BG" smtClean="0"/>
-              <a:t>10.8.2015 г.</a:t>
+              <a:t>11.8.2015 г.</a:t>
             </a:fld>
             <a:endParaRPr lang="bg-BG"/>
           </a:p>
@@ -2654,7 +2653,7 @@
           <a:p>
             <a:fld id="{3EA744D9-3FBE-48D8-BF2A-85DF203E4D20}" type="datetimeFigureOut">
               <a:rPr lang="bg-BG" smtClean="0"/>
-              <a:t>10.8.2015 г.</a:t>
+              <a:t>11.8.2015 г.</a:t>
             </a:fld>
             <a:endParaRPr lang="bg-BG"/>
           </a:p>
@@ -2907,7 +2906,7 @@
           <a:p>
             <a:fld id="{3EA744D9-3FBE-48D8-BF2A-85DF203E4D20}" type="datetimeFigureOut">
               <a:rPr lang="bg-BG" smtClean="0"/>
-              <a:t>10.8.2015 г.</a:t>
+              <a:t>11.8.2015 г.</a:t>
             </a:fld>
             <a:endParaRPr lang="bg-BG"/>
           </a:p>
@@ -3129,7 +3128,7 @@
           <a:p>
             <a:fld id="{3EA744D9-3FBE-48D8-BF2A-85DF203E4D20}" type="datetimeFigureOut">
               <a:rPr lang="bg-BG" smtClean="0"/>
-              <a:t>10.8.2015 г.</a:t>
+              <a:t>11.8.2015 г.</a:t>
             </a:fld>
             <a:endParaRPr lang="bg-BG"/>
           </a:p>
@@ -4506,37 +4505,7 @@
                   </a:schemeClr>
                 </a:solidFill>
               </a:rPr>
-              <a:t> </a:t>
-            </a:r>
-            <a:r>
-              <a:rPr lang="bg-BG" dirty="0" smtClean="0">
-                <a:solidFill>
-                  <a:schemeClr val="bg1">
-                    <a:lumMod val="95000"/>
-                  </a:schemeClr>
-                </a:solidFill>
-              </a:rPr>
-              <a:t>наричаме всяка една точка,</a:t>
-            </a:r>
-            <a:r>
-              <a:rPr lang="bg-BG" dirty="0" smtClean="0">
-                <a:solidFill>
-                  <a:schemeClr val="bg1">
-                    <a:lumMod val="95000"/>
-                  </a:schemeClr>
-                </a:solidFill>
-              </a:rPr>
-              <a:t> </a:t>
-            </a:r>
-            <a:r>
-              <a:rPr lang="bg-BG" dirty="0" smtClean="0">
-                <a:solidFill>
-                  <a:schemeClr val="bg1">
-                    <a:lumMod val="95000"/>
-                  </a:schemeClr>
-                </a:solidFill>
-              </a:rPr>
-              <a:t>кръг или друга фигура със стойност в средата</a:t>
+              <a:t> наричаме всяка една точка, кръг или друга фигура със стойност в средата</a:t>
             </a:r>
           </a:p>
           <a:p>
@@ -4562,27 +4531,7 @@
                   </a:schemeClr>
                 </a:solidFill>
               </a:rPr>
-              <a:t> – </a:t>
-            </a:r>
-            <a:r>
-              <a:rPr lang="bg-BG" dirty="0" smtClean="0">
-                <a:solidFill>
-                  <a:schemeClr val="bg1">
-                    <a:lumMod val="95000"/>
-                  </a:schemeClr>
-                </a:solidFill>
-              </a:rPr>
-              <a:t>дъга, права </a:t>
-            </a:r>
-            <a:r>
-              <a:rPr lang="bg-BG" dirty="0" smtClean="0">
-                <a:solidFill>
-                  <a:schemeClr val="bg1">
-                    <a:lumMod val="95000"/>
-                  </a:schemeClr>
-                </a:solidFill>
-              </a:rPr>
-              <a:t>или стрелка, която свързва два върха</a:t>
+              <a:t> – дъга, права или стрелка, която свързва два върха</a:t>
             </a:r>
           </a:p>
           <a:p>
@@ -8229,199 +8178,6 @@
 </p:sld>
 </file>
 
-<file path=ppt/slides/slide32.xml><?xml version="1.0" encoding="utf-8"?>
-<p:sld xmlns:a="http://schemas.openxmlformats.org/drawingml/2006/main" xmlns:r="http://schemas.openxmlformats.org/officeDocument/2006/relationships" xmlns:p="http://schemas.openxmlformats.org/presentationml/2006/main">
-  <p:cSld>
-    <p:spTree>
-      <p:nvGrpSpPr>
-        <p:cNvPr id="1" name=""/>
-        <p:cNvGrpSpPr/>
-        <p:nvPr/>
-      </p:nvGrpSpPr>
-      <p:grpSpPr>
-        <a:xfrm>
-          <a:off x="0" y="0"/>
-          <a:ext cx="0" cy="0"/>
-          <a:chOff x="0" y="0"/>
-          <a:chExt cx="0" cy="0"/>
-        </a:xfrm>
-      </p:grpSpPr>
-      <p:sp>
-        <p:nvSpPr>
-          <p:cNvPr id="2" name="Title 1"/>
-          <p:cNvSpPr>
-            <a:spLocks noGrp="1"/>
-          </p:cNvSpPr>
-          <p:nvPr>
-            <p:ph type="title"/>
-          </p:nvPr>
-        </p:nvSpPr>
-        <p:spPr>
-          <a:xfrm>
-            <a:off x="838200" y="685800"/>
-            <a:ext cx="8229600" cy="1143000"/>
-          </a:xfrm>
-        </p:spPr>
-        <p:txBody>
-          <a:bodyPr/>
-          <a:lstStyle/>
-          <a:p>
-            <a:pPr algn="l"/>
-            <a:r>
-              <a:rPr lang="bg-BG" dirty="0" smtClean="0">
-                <a:solidFill>
-                  <a:schemeClr val="accent6"/>
-                </a:solidFill>
-              </a:rPr>
-              <a:t>Задачи за домашна работа</a:t>
-            </a:r>
-            <a:endParaRPr lang="bg-BG" dirty="0">
-              <a:solidFill>
-                <a:schemeClr val="accent6"/>
-              </a:solidFill>
-            </a:endParaRPr>
-          </a:p>
-        </p:txBody>
-      </p:sp>
-      <p:sp>
-        <p:nvSpPr>
-          <p:cNvPr id="3" name="Content Placeholder 2"/>
-          <p:cNvSpPr>
-            <a:spLocks noGrp="1"/>
-          </p:cNvSpPr>
-          <p:nvPr>
-            <p:ph idx="1"/>
-          </p:nvPr>
-        </p:nvSpPr>
-        <p:spPr>
-          <a:xfrm>
-            <a:off x="762000" y="1676400"/>
-            <a:ext cx="7620000" cy="4876800"/>
-          </a:xfrm>
-        </p:spPr>
-        <p:txBody>
-          <a:bodyPr>
-            <a:noAutofit/>
-          </a:bodyPr>
-          <a:lstStyle/>
-          <a:p>
-            <a:pPr>
-              <a:buFont typeface="Wingdings" panose="05000000000000000000" pitchFamily="2" charset="2"/>
-              <a:buChar char="§"/>
-            </a:pPr>
-            <a:r>
-              <a:rPr lang="ru-RU" sz="2400" dirty="0">
-                <a:solidFill>
-                  <a:schemeClr val="bg1">
-                    <a:lumMod val="95000"/>
-                  </a:schemeClr>
-                </a:solidFill>
-              </a:rPr>
-              <a:t>Напишете ваша имплементация на </a:t>
-            </a:r>
-            <a:r>
-              <a:rPr lang="ru-RU" sz="2400" dirty="0" err="1" smtClean="0">
-                <a:solidFill>
-                  <a:schemeClr val="bg1">
-                    <a:lumMod val="95000"/>
-                  </a:schemeClr>
-                </a:solidFill>
-              </a:rPr>
-              <a:t>дърво</a:t>
-            </a:r>
-            <a:r>
-              <a:rPr lang="ru-RU" sz="2400" dirty="0" smtClean="0">
-                <a:solidFill>
-                  <a:schemeClr val="bg1">
-                    <a:lumMod val="95000"/>
-                  </a:schemeClr>
-                </a:solidFill>
-              </a:rPr>
-              <a:t> </a:t>
-            </a:r>
-            <a:r>
-              <a:rPr lang="ru-RU" sz="2400" dirty="0">
-                <a:solidFill>
-                  <a:schemeClr val="bg1">
-                    <a:lumMod val="95000"/>
-                  </a:schemeClr>
-                </a:solidFill>
-              </a:rPr>
-              <a:t>или използвайте готова от интернет. Добавете метод, който връща дълбочината на даден елемент подаден като </a:t>
-            </a:r>
-            <a:r>
-              <a:rPr lang="ru-RU" sz="2400" dirty="0" err="1">
-                <a:solidFill>
-                  <a:schemeClr val="bg1">
-                    <a:lumMod val="95000"/>
-                  </a:schemeClr>
-                </a:solidFill>
-              </a:rPr>
-              <a:t>параметър</a:t>
-            </a:r>
-            <a:r>
-              <a:rPr lang="ru-RU" sz="2400" dirty="0" smtClean="0">
-                <a:solidFill>
-                  <a:schemeClr val="bg1">
-                    <a:lumMod val="95000"/>
-                  </a:schemeClr>
-                </a:solidFill>
-              </a:rPr>
-              <a:t>.</a:t>
-            </a:r>
-            <a:endParaRPr lang="ru-RU" sz="2400" dirty="0">
-              <a:solidFill>
-                <a:schemeClr val="bg1">
-                  <a:lumMod val="95000"/>
-                </a:schemeClr>
-              </a:solidFill>
-            </a:endParaRPr>
-          </a:p>
-          <a:p>
-            <a:pPr>
-              <a:buFont typeface="Wingdings" panose="05000000000000000000" pitchFamily="2" charset="2"/>
-              <a:buChar char="§"/>
-            </a:pPr>
-            <a:r>
-              <a:rPr lang="ru-RU" sz="2400" dirty="0">
-                <a:solidFill>
-                  <a:schemeClr val="bg1">
-                    <a:lumMod val="95000"/>
-                  </a:schemeClr>
-                </a:solidFill>
-              </a:rPr>
-              <a:t>Напишете ваша имплементация на граф или използвайте готова от интернет. Добавете метод, който проверява дали има ребро между два върха. Добавете метод, който проверява дали има път между два върха. </a:t>
-            </a:r>
-            <a:endParaRPr lang="ru-RU" sz="1800" dirty="0">
-              <a:solidFill>
-                <a:schemeClr val="bg1">
-                  <a:lumMod val="95000"/>
-                </a:schemeClr>
-              </a:solidFill>
-            </a:endParaRPr>
-          </a:p>
-        </p:txBody>
-      </p:sp>
-    </p:spTree>
-    <p:extLst>
-      <p:ext uri="{BB962C8B-B14F-4D97-AF65-F5344CB8AC3E}">
-        <p14:creationId xmlns:p14="http://schemas.microsoft.com/office/powerpoint/2010/main" val="1607269381"/>
-      </p:ext>
-    </p:extLst>
-  </p:cSld>
-  <p:clrMapOvr>
-    <a:masterClrMapping/>
-  </p:clrMapOvr>
-  <p:timing>
-    <p:tnLst>
-      <p:par>
-        <p:cTn id="1" dur="indefinite" restart="never" nodeType="tmRoot"/>
-      </p:par>
-    </p:tnLst>
-  </p:timing>
-</p:sld>
-</file>
-
 <file path=ppt/slides/slide4.xml><?xml version="1.0" encoding="utf-8"?>
 <p:sld xmlns:a="http://schemas.openxmlformats.org/drawingml/2006/main" xmlns:r="http://schemas.openxmlformats.org/officeDocument/2006/relationships" xmlns:p="http://schemas.openxmlformats.org/presentationml/2006/main">
   <p:cSld>
@@ -8992,13 +8748,6 @@
               </a:rPr>
               <a:t>)</a:t>
             </a:r>
-            <a:endParaRPr lang="ru-RU" b="1" dirty="0" smtClean="0">
-              <a:solidFill>
-                <a:schemeClr val="bg1">
-                  <a:lumMod val="95000"/>
-                </a:schemeClr>
-              </a:solidFill>
-            </a:endParaRPr>
           </a:p>
           <a:p>
             <a:pPr>
@@ -9666,13 +9415,6 @@
               </a:rPr>
               <a:t> (1, 2, 4 и 5)</a:t>
             </a:r>
-            <a:endParaRPr lang="ru-RU" dirty="0" smtClean="0">
-              <a:solidFill>
-                <a:schemeClr val="bg1">
-                  <a:lumMod val="95000"/>
-                </a:schemeClr>
-              </a:solidFill>
-            </a:endParaRPr>
           </a:p>
           <a:p>
             <a:pPr marL="0" indent="0">
